--- a/xxxxx005_RPC/401_Portmap.pptx
+++ b/xxxxx005_RPC/401_Portmap.pptx
@@ -259,7 +259,7 @@
           <a:p>
             <a:fld id="{56AE6777-B45D-4690-8B65-BEF988D83B09}" type="datetimeFigureOut">
               <a:rPr kumimoji="1" lang="ja-JP" altLang="en-US" smtClean="0"/>
-              <a:t>2023/6/4</a:t>
+              <a:t>2023/6/5</a:t>
             </a:fld>
             <a:endParaRPr kumimoji="1" lang="ja-JP" altLang="en-US"/>
           </a:p>
@@ -489,7 +489,7 @@
           <a:p>
             <a:fld id="{56AE6777-B45D-4690-8B65-BEF988D83B09}" type="datetimeFigureOut">
               <a:rPr kumimoji="1" lang="ja-JP" altLang="en-US" smtClean="0"/>
-              <a:t>2023/6/4</a:t>
+              <a:t>2023/6/5</a:t>
             </a:fld>
             <a:endParaRPr kumimoji="1" lang="ja-JP" altLang="en-US"/>
           </a:p>
@@ -729,7 +729,7 @@
           <a:p>
             <a:fld id="{56AE6777-B45D-4690-8B65-BEF988D83B09}" type="datetimeFigureOut">
               <a:rPr kumimoji="1" lang="ja-JP" altLang="en-US" smtClean="0"/>
-              <a:t>2023/6/4</a:t>
+              <a:t>2023/6/5</a:t>
             </a:fld>
             <a:endParaRPr kumimoji="1" lang="ja-JP" altLang="en-US"/>
           </a:p>
@@ -959,7 +959,7 @@
           <a:p>
             <a:fld id="{56AE6777-B45D-4690-8B65-BEF988D83B09}" type="datetimeFigureOut">
               <a:rPr kumimoji="1" lang="ja-JP" altLang="en-US" smtClean="0"/>
-              <a:t>2023/6/4</a:t>
+              <a:t>2023/6/5</a:t>
             </a:fld>
             <a:endParaRPr kumimoji="1" lang="ja-JP" altLang="en-US"/>
           </a:p>
@@ -1234,7 +1234,7 @@
           <a:p>
             <a:fld id="{56AE6777-B45D-4690-8B65-BEF988D83B09}" type="datetimeFigureOut">
               <a:rPr kumimoji="1" lang="ja-JP" altLang="en-US" smtClean="0"/>
-              <a:t>2023/6/4</a:t>
+              <a:t>2023/6/5</a:t>
             </a:fld>
             <a:endParaRPr kumimoji="1" lang="ja-JP" altLang="en-US"/>
           </a:p>
@@ -1563,7 +1563,7 @@
           <a:p>
             <a:fld id="{56AE6777-B45D-4690-8B65-BEF988D83B09}" type="datetimeFigureOut">
               <a:rPr kumimoji="1" lang="ja-JP" altLang="en-US" smtClean="0"/>
-              <a:t>2023/6/4</a:t>
+              <a:t>2023/6/5</a:t>
             </a:fld>
             <a:endParaRPr kumimoji="1" lang="ja-JP" altLang="en-US"/>
           </a:p>
@@ -2039,7 +2039,7 @@
           <a:p>
             <a:fld id="{56AE6777-B45D-4690-8B65-BEF988D83B09}" type="datetimeFigureOut">
               <a:rPr kumimoji="1" lang="ja-JP" altLang="en-US" smtClean="0"/>
-              <a:t>2023/6/4</a:t>
+              <a:t>2023/6/5</a:t>
             </a:fld>
             <a:endParaRPr kumimoji="1" lang="ja-JP" altLang="en-US"/>
           </a:p>
@@ -2180,7 +2180,7 @@
           <a:p>
             <a:fld id="{56AE6777-B45D-4690-8B65-BEF988D83B09}" type="datetimeFigureOut">
               <a:rPr kumimoji="1" lang="ja-JP" altLang="en-US" smtClean="0"/>
-              <a:t>2023/6/4</a:t>
+              <a:t>2023/6/5</a:t>
             </a:fld>
             <a:endParaRPr kumimoji="1" lang="ja-JP" altLang="en-US"/>
           </a:p>
@@ -2293,7 +2293,7 @@
           <a:p>
             <a:fld id="{56AE6777-B45D-4690-8B65-BEF988D83B09}" type="datetimeFigureOut">
               <a:rPr kumimoji="1" lang="ja-JP" altLang="en-US" smtClean="0"/>
-              <a:t>2023/6/4</a:t>
+              <a:t>2023/6/5</a:t>
             </a:fld>
             <a:endParaRPr kumimoji="1" lang="ja-JP" altLang="en-US"/>
           </a:p>
@@ -2636,7 +2636,7 @@
           <a:p>
             <a:fld id="{56AE6777-B45D-4690-8B65-BEF988D83B09}" type="datetimeFigureOut">
               <a:rPr kumimoji="1" lang="ja-JP" altLang="en-US" smtClean="0"/>
-              <a:t>2023/6/4</a:t>
+              <a:t>2023/6/5</a:t>
             </a:fld>
             <a:endParaRPr kumimoji="1" lang="ja-JP" altLang="en-US"/>
           </a:p>
@@ -2924,7 +2924,7 @@
           <a:p>
             <a:fld id="{56AE6777-B45D-4690-8B65-BEF988D83B09}" type="datetimeFigureOut">
               <a:rPr kumimoji="1" lang="ja-JP" altLang="en-US" smtClean="0"/>
-              <a:t>2023/6/4</a:t>
+              <a:t>2023/6/5</a:t>
             </a:fld>
             <a:endParaRPr kumimoji="1" lang="ja-JP" altLang="en-US"/>
           </a:p>
@@ -3197,7 +3197,7 @@
           <a:p>
             <a:fld id="{56AE6777-B45D-4690-8B65-BEF988D83B09}" type="datetimeFigureOut">
               <a:rPr kumimoji="1" lang="ja-JP" altLang="en-US" smtClean="0"/>
-              <a:t>2023/6/4</a:t>
+              <a:t>2023/6/5</a:t>
             </a:fld>
             <a:endParaRPr kumimoji="1" lang="ja-JP" altLang="en-US"/>
           </a:p>
@@ -4608,6 +4608,114 @@
           </a:p>
         </p:txBody>
       </p:sp>
+      <p:sp>
+        <p:nvSpPr>
+          <p:cNvPr id="3" name="正方形/長方形 2">
+            <a:extLst>
+              <a:ext uri="{FF2B5EF4-FFF2-40B4-BE49-F238E27FC236}">
+                <a16:creationId xmlns:a16="http://schemas.microsoft.com/office/drawing/2014/main" id="{FB9DE3C5-F100-870D-2173-64256B8D6847}"/>
+              </a:ext>
+            </a:extLst>
+          </p:cNvPr>
+          <p:cNvSpPr/>
+          <p:nvPr/>
+        </p:nvSpPr>
+        <p:spPr>
+          <a:xfrm>
+            <a:off x="1934996" y="1180899"/>
+            <a:ext cx="72000" cy="72000"/>
+          </a:xfrm>
+          <a:prstGeom prst="rect">
+            <a:avLst/>
+          </a:prstGeom>
+          <a:solidFill>
+            <a:schemeClr val="bg1"/>
+          </a:solidFill>
+          <a:ln>
+            <a:solidFill>
+              <a:schemeClr val="tx1"/>
+            </a:solidFill>
+          </a:ln>
+        </p:spPr>
+        <p:style>
+          <a:lnRef idx="2">
+            <a:schemeClr val="accent1">
+              <a:shade val="50000"/>
+            </a:schemeClr>
+          </a:lnRef>
+          <a:fillRef idx="1">
+            <a:schemeClr val="accent1"/>
+          </a:fillRef>
+          <a:effectRef idx="0">
+            <a:schemeClr val="accent1"/>
+          </a:effectRef>
+          <a:fontRef idx="minor">
+            <a:schemeClr val="lt1"/>
+          </a:fontRef>
+        </p:style>
+        <p:txBody>
+          <a:bodyPr rtlCol="0" anchor="ctr"/>
+          <a:lstStyle/>
+          <a:p>
+            <a:pPr algn="ctr"/>
+            <a:endParaRPr kumimoji="1" lang="ja-JP" altLang="en-US"/>
+          </a:p>
+        </p:txBody>
+      </p:sp>
+      <p:sp>
+        <p:nvSpPr>
+          <p:cNvPr id="4" name="正方形/長方形 3">
+            <a:extLst>
+              <a:ext uri="{FF2B5EF4-FFF2-40B4-BE49-F238E27FC236}">
+                <a16:creationId xmlns:a16="http://schemas.microsoft.com/office/drawing/2014/main" id="{0F222640-D3BE-6118-3BD2-18EB2290B5AE}"/>
+              </a:ext>
+            </a:extLst>
+          </p:cNvPr>
+          <p:cNvSpPr/>
+          <p:nvPr/>
+        </p:nvSpPr>
+        <p:spPr>
+          <a:xfrm>
+            <a:off x="1931756" y="1281419"/>
+            <a:ext cx="72000" cy="72000"/>
+          </a:xfrm>
+          <a:prstGeom prst="rect">
+            <a:avLst/>
+          </a:prstGeom>
+          <a:solidFill>
+            <a:schemeClr val="bg1"/>
+          </a:solidFill>
+          <a:ln>
+            <a:solidFill>
+              <a:schemeClr val="tx1"/>
+            </a:solidFill>
+          </a:ln>
+        </p:spPr>
+        <p:style>
+          <a:lnRef idx="2">
+            <a:schemeClr val="accent1">
+              <a:shade val="50000"/>
+            </a:schemeClr>
+          </a:lnRef>
+          <a:fillRef idx="1">
+            <a:schemeClr val="accent1"/>
+          </a:fillRef>
+          <a:effectRef idx="0">
+            <a:schemeClr val="accent1"/>
+          </a:effectRef>
+          <a:fontRef idx="minor">
+            <a:schemeClr val="lt1"/>
+          </a:fontRef>
+        </p:style>
+        <p:txBody>
+          <a:bodyPr rtlCol="0" anchor="ctr"/>
+          <a:lstStyle/>
+          <a:p>
+            <a:pPr algn="ctr"/>
+            <a:endParaRPr kumimoji="1" lang="ja-JP" altLang="en-US"/>
+          </a:p>
+        </p:txBody>
+      </p:sp>
     </p:spTree>
     <p:extLst>
       <p:ext uri="{BB962C8B-B14F-4D97-AF65-F5344CB8AC3E}">
